--- a/wigs/WIGS-W08.pptx
+++ b/wigs/WIGS-W08.pptx
@@ -218,6 +218,7 @@
 <file path=ppt/revisionInfo.xml><?xml version="1.0" encoding="utf-8"?>
 <p1510:revInfo xmlns:a="http://schemas.openxmlformats.org/drawingml/2006/main" xmlns:r="http://schemas.openxmlformats.org/officeDocument/2006/relationships" xmlns:p1510="http://schemas.microsoft.com/office/powerpoint/2015/10/main">
   <p1510:revLst>
+    <p1510:client id="{0A67243F-1D1E-46DB-58F9-BF0C2D030BC8}" v="14" dt="2020-07-15T20:30:06.940"/>
     <p1510:client id="{0A972678-B629-5D65-4834-9B8817551A8A}" v="509" dt="2020-06-16T05:02:47.314"/>
     <p1510:client id="{76687288-6A33-E845-952D-F3DA962CBA97}" v="513" dt="2020-06-16T21:46:53.821"/>
     <p1510:client id="{AB6F6DC9-5226-D209-B274-780EEDD7EA49}" v="724" dt="2020-06-16T19:14:52.287"/>
@@ -408,6 +409,30 @@
           <ac:graphicFrameMkLst>
             <pc:docMk/>
             <pc:sldMk cId="2882397118" sldId="351"/>
+            <ac:graphicFrameMk id="4" creationId="{00000000-0000-0000-0000-000000000000}"/>
+          </ac:graphicFrameMkLst>
+        </pc:graphicFrameChg>
+      </pc:sldChg>
+    </pc:docChg>
+  </pc:docChgLst>
+  <pc:docChgLst>
+    <pc:chgData name="Boe, Jonah" userId="S::jonahwb@byui.edu::0d5e1f00-1ebc-42bd-9eb7-862baab2db1c" providerId="AD" clId="Web-{0A67243F-1D1E-46DB-58F9-BF0C2D030BC8}"/>
+    <pc:docChg chg="modSld">
+      <pc:chgData name="Boe, Jonah" userId="S::jonahwb@byui.edu::0d5e1f00-1ebc-42bd-9eb7-862baab2db1c" providerId="AD" clId="Web-{0A67243F-1D1E-46DB-58F9-BF0C2D030BC8}" dt="2020-07-15T20:30:05.783" v="11"/>
+      <pc:docMkLst>
+        <pc:docMk/>
+      </pc:docMkLst>
+      <pc:sldChg chg="modSp">
+        <pc:chgData name="Boe, Jonah" userId="S::jonahwb@byui.edu::0d5e1f00-1ebc-42bd-9eb7-862baab2db1c" providerId="AD" clId="Web-{0A67243F-1D1E-46DB-58F9-BF0C2D030BC8}" dt="2020-07-15T20:30:05.783" v="11"/>
+        <pc:sldMkLst>
+          <pc:docMk/>
+          <pc:sldMk cId="2935547415" sldId="341"/>
+        </pc:sldMkLst>
+        <pc:graphicFrameChg chg="mod modGraphic">
+          <ac:chgData name="Boe, Jonah" userId="S::jonahwb@byui.edu::0d5e1f00-1ebc-42bd-9eb7-862baab2db1c" providerId="AD" clId="Web-{0A67243F-1D1E-46DB-58F9-BF0C2D030BC8}" dt="2020-07-15T20:30:05.783" v="11"/>
+          <ac:graphicFrameMkLst>
+            <pc:docMk/>
+            <pc:sldMk cId="2935547415" sldId="341"/>
             <ac:graphicFrameMk id="4" creationId="{00000000-0000-0000-0000-000000000000}"/>
           </ac:graphicFrameMkLst>
         </pc:graphicFrameChg>
@@ -1175,10 +1200,10 @@
           </a:ln>
           <a:extLst>
             <a:ext uri="{FAA26D3D-D897-4be2-8F04-BA451C77F1D7}">
-              <ma14:placeholderFlag xmlns="" xmlns:ma14="http://schemas.microsoft.com/office/mac/drawingml/2011/main" val="1"/>
+              <ma14:placeholderFlag xmlns:ma14="http://schemas.microsoft.com/office/mac/drawingml/2011/main" xmlns="" val="1"/>
             </a:ext>
             <a:ext uri="{909E8E84-426E-40dd-AFC4-6F175D3DCCD1}">
-              <a14:hiddenFill xmlns:a14="http://schemas.microsoft.com/office/drawing/2010/main" xmlns="">
+              <a14:hiddenFill xmlns="" xmlns:a14="http://schemas.microsoft.com/office/drawing/2010/main">
                 <a:solidFill>
                   <a:srgbClr val="FFFFFF"/>
                 </a:solidFill>
@@ -1581,7 +1606,7 @@
               <a:pPr>
                 <a:defRPr/>
               </a:pPr>
-              <a:t>20</a:t>
+              <a:t>21</a:t>
             </a:fld>
             <a:endParaRPr lang="en-US"/>
           </a:p>
@@ -2042,14 +2067,14 @@
           </a:ln>
           <a:extLst>
             <a:ext uri="{909E8E84-426E-40dd-AFC4-6F175D3DCCD1}">
-              <a14:hiddenFill xmlns:a14="http://schemas.microsoft.com/office/drawing/2010/main" xmlns="">
+              <a14:hiddenFill xmlns="" xmlns:a14="http://schemas.microsoft.com/office/drawing/2010/main">
                 <a:solidFill>
                   <a:srgbClr val="FFFFFF"/>
                 </a:solidFill>
               </a14:hiddenFill>
             </a:ext>
             <a:ext uri="{91240B29-F687-4f45-9708-019B960494DF}">
-              <a14:hiddenLine xmlns:a14="http://schemas.microsoft.com/office/drawing/2010/main" xmlns="" w="9525">
+              <a14:hiddenLine xmlns="" xmlns:a14="http://schemas.microsoft.com/office/drawing/2010/main" w="9525">
                 <a:solidFill>
                   <a:srgbClr val="000000"/>
                 </a:solidFill>
@@ -18065,7 +18090,7 @@
           <p:nvPr>
             <p:extLst>
               <p:ext uri="{D42A27DB-BD31-4B8C-83A1-F6EECF244321}">
-                <p14:modId xmlns:p14="http://schemas.microsoft.com/office/powerpoint/2010/main" val="2527582569"/>
+                <p14:modId xmlns:p14="http://schemas.microsoft.com/office/powerpoint/2010/main" val="4141084886"/>
               </p:ext>
             </p:extLst>
           </p:nvPr>
@@ -18368,7 +18393,7 @@
                           <a:effectLst/>
                           <a:latin typeface="Calibri"/>
                         </a:rPr>
-                        <a:t>95.69</a:t>
+                        <a:t>96.3</a:t>
                       </a:r>
                       <a:endParaRPr lang="en-US" sz="1100" b="0" i="0" u="none" strike="noStrike" dirty="0">
                         <a:solidFill>
